--- a/TCA.pptx
+++ b/TCA.pptx
@@ -207,7 +207,7 @@
           <a:p>
             <a:fld id="{4FFB8891-AC98-45AE-BBB0-6ED843C917AB}" type="datetimeFigureOut">
               <a:rPr lang="zh-CN" altLang="en-US" smtClean="0"/>
-              <a:t>2021/11/11</a:t>
+              <a:t>2021/11/12</a:t>
             </a:fld>
             <a:endParaRPr lang="zh-CN" altLang="en-US"/>
           </a:p>
@@ -957,7 +957,7 @@
           <a:p>
             <a:fld id="{F62D6783-8F65-4E5E-84AA-BA2F0DF3CE7D}" type="datetimeFigureOut">
               <a:rPr lang="zh-CN" altLang="en-US" smtClean="0"/>
-              <a:t>2021/11/11</a:t>
+              <a:t>2021/11/12</a:t>
             </a:fld>
             <a:endParaRPr lang="zh-CN" altLang="en-US"/>
           </a:p>
@@ -1155,7 +1155,7 @@
           <a:p>
             <a:fld id="{F62D6783-8F65-4E5E-84AA-BA2F0DF3CE7D}" type="datetimeFigureOut">
               <a:rPr lang="zh-CN" altLang="en-US" smtClean="0"/>
-              <a:t>2021/11/11</a:t>
+              <a:t>2021/11/12</a:t>
             </a:fld>
             <a:endParaRPr lang="zh-CN" altLang="en-US"/>
           </a:p>
@@ -1363,7 +1363,7 @@
           <a:p>
             <a:fld id="{F62D6783-8F65-4E5E-84AA-BA2F0DF3CE7D}" type="datetimeFigureOut">
               <a:rPr lang="zh-CN" altLang="en-US" smtClean="0"/>
-              <a:t>2021/11/11</a:t>
+              <a:t>2021/11/12</a:t>
             </a:fld>
             <a:endParaRPr lang="zh-CN" altLang="en-US"/>
           </a:p>
@@ -1561,7 +1561,7 @@
           <a:p>
             <a:fld id="{F62D6783-8F65-4E5E-84AA-BA2F0DF3CE7D}" type="datetimeFigureOut">
               <a:rPr lang="zh-CN" altLang="en-US" smtClean="0"/>
-              <a:t>2021/11/11</a:t>
+              <a:t>2021/11/12</a:t>
             </a:fld>
             <a:endParaRPr lang="zh-CN" altLang="en-US"/>
           </a:p>
@@ -1836,7 +1836,7 @@
           <a:p>
             <a:fld id="{F62D6783-8F65-4E5E-84AA-BA2F0DF3CE7D}" type="datetimeFigureOut">
               <a:rPr lang="zh-CN" altLang="en-US" smtClean="0"/>
-              <a:t>2021/11/11</a:t>
+              <a:t>2021/11/12</a:t>
             </a:fld>
             <a:endParaRPr lang="zh-CN" altLang="en-US"/>
           </a:p>
@@ -2101,7 +2101,7 @@
           <a:p>
             <a:fld id="{F62D6783-8F65-4E5E-84AA-BA2F0DF3CE7D}" type="datetimeFigureOut">
               <a:rPr lang="zh-CN" altLang="en-US" smtClean="0"/>
-              <a:t>2021/11/11</a:t>
+              <a:t>2021/11/12</a:t>
             </a:fld>
             <a:endParaRPr lang="zh-CN" altLang="en-US"/>
           </a:p>
@@ -2513,7 +2513,7 @@
           <a:p>
             <a:fld id="{F62D6783-8F65-4E5E-84AA-BA2F0DF3CE7D}" type="datetimeFigureOut">
               <a:rPr lang="zh-CN" altLang="en-US" smtClean="0"/>
-              <a:t>2021/11/11</a:t>
+              <a:t>2021/11/12</a:t>
             </a:fld>
             <a:endParaRPr lang="zh-CN" altLang="en-US"/>
           </a:p>
@@ -2654,7 +2654,7 @@
           <a:p>
             <a:fld id="{F62D6783-8F65-4E5E-84AA-BA2F0DF3CE7D}" type="datetimeFigureOut">
               <a:rPr lang="zh-CN" altLang="en-US" smtClean="0"/>
-              <a:t>2021/11/11</a:t>
+              <a:t>2021/11/12</a:t>
             </a:fld>
             <a:endParaRPr lang="zh-CN" altLang="en-US"/>
           </a:p>
@@ -2767,7 +2767,7 @@
           <a:p>
             <a:fld id="{F62D6783-8F65-4E5E-84AA-BA2F0DF3CE7D}" type="datetimeFigureOut">
               <a:rPr lang="zh-CN" altLang="en-US" smtClean="0"/>
-              <a:t>2021/11/11</a:t>
+              <a:t>2021/11/12</a:t>
             </a:fld>
             <a:endParaRPr lang="zh-CN" altLang="en-US"/>
           </a:p>
@@ -3078,7 +3078,7 @@
           <a:p>
             <a:fld id="{F62D6783-8F65-4E5E-84AA-BA2F0DF3CE7D}" type="datetimeFigureOut">
               <a:rPr lang="zh-CN" altLang="en-US" smtClean="0"/>
-              <a:t>2021/11/11</a:t>
+              <a:t>2021/11/12</a:t>
             </a:fld>
             <a:endParaRPr lang="zh-CN" altLang="en-US"/>
           </a:p>
@@ -3366,7 +3366,7 @@
           <a:p>
             <a:fld id="{F62D6783-8F65-4E5E-84AA-BA2F0DF3CE7D}" type="datetimeFigureOut">
               <a:rPr lang="zh-CN" altLang="en-US" smtClean="0"/>
-              <a:t>2021/11/11</a:t>
+              <a:t>2021/11/12</a:t>
             </a:fld>
             <a:endParaRPr lang="zh-CN" altLang="en-US"/>
           </a:p>
@@ -3607,7 +3607,7 @@
           <a:p>
             <a:fld id="{F62D6783-8F65-4E5E-84AA-BA2F0DF3CE7D}" type="datetimeFigureOut">
               <a:rPr lang="zh-CN" altLang="en-US" smtClean="0"/>
-              <a:t>2021/11/11</a:t>
+              <a:t>2021/11/12</a:t>
             </a:fld>
             <a:endParaRPr lang="zh-CN" altLang="en-US"/>
           </a:p>
@@ -10339,8 +10339,8 @@
         </p:nvSpPr>
         <p:spPr>
           <a:xfrm>
-            <a:off x="3036192" y="3831436"/>
-            <a:ext cx="3876673" cy="307777"/>
+            <a:off x="4729118" y="4664439"/>
+            <a:ext cx="1734112" cy="307777"/>
           </a:xfrm>
           <a:prstGeom prst="rect">
             <a:avLst/>
@@ -10355,7 +10355,7 @@
           <a:p>
             <a:r>
               <a:rPr lang="zh-CN" altLang="en-US" sz="1400" b="1" dirty="0"/>
-              <a:t>转换为迹优化问题（拉格朗日乘子法得到）</a:t>
+              <a:t>转换为迹优化问题</a:t>
             </a:r>
           </a:p>
         </p:txBody>
@@ -10382,7 +10382,7 @@
         </p:blipFill>
         <p:spPr>
           <a:xfrm>
-            <a:off x="4370613" y="4211797"/>
+            <a:off x="4370613" y="4962751"/>
             <a:ext cx="3981450" cy="581025"/>
           </a:xfrm>
           <a:prstGeom prst="rect">
@@ -10412,7 +10412,7 @@
         </p:blipFill>
         <p:spPr>
           <a:xfrm>
-            <a:off x="4475388" y="4739164"/>
+            <a:off x="4512404" y="5356362"/>
             <a:ext cx="3876675" cy="647700"/>
           </a:xfrm>
           <a:prstGeom prst="rect">
@@ -10436,7 +10436,7 @@
         </p:nvCxnSpPr>
         <p:spPr>
           <a:xfrm>
-            <a:off x="6413725" y="5245768"/>
+            <a:off x="6402708" y="5886219"/>
             <a:ext cx="0" cy="465221"/>
           </a:xfrm>
           <a:prstGeom prst="straightConnector1">
@@ -10475,7 +10475,7 @@
         </p:nvSpPr>
         <p:spPr>
           <a:xfrm>
-            <a:off x="3847207" y="5707449"/>
+            <a:off x="3004455" y="6398497"/>
             <a:ext cx="7273017" cy="369332"/>
           </a:xfrm>
           <a:prstGeom prst="rect">
@@ -10585,7 +10585,7 @@
         </p:blipFill>
         <p:spPr>
           <a:xfrm>
-            <a:off x="6361338" y="5696852"/>
+            <a:off x="5523137" y="6351440"/>
             <a:ext cx="1781175" cy="390525"/>
           </a:xfrm>
           <a:prstGeom prst="rect">
@@ -10789,6 +10789,112 @@
           </a:prstGeom>
         </p:spPr>
       </p:pic>
+      <p:pic>
+        <p:nvPicPr>
+          <p:cNvPr id="6" name="图片 5">
+            <a:extLst>
+              <a:ext uri="{FF2B5EF4-FFF2-40B4-BE49-F238E27FC236}">
+                <a16:creationId xmlns:a16="http://schemas.microsoft.com/office/drawing/2014/main" id="{4BD2BE89-4FE9-48D5-800B-6C9251203F9F}"/>
+              </a:ext>
+            </a:extLst>
+          </p:cNvPr>
+          <p:cNvPicPr>
+            <a:picLocks noChangeAspect="1"/>
+          </p:cNvPicPr>
+          <p:nvPr/>
+        </p:nvPicPr>
+        <p:blipFill>
+          <a:blip r:embed="rId8"/>
+          <a:stretch>
+            <a:fillRect/>
+          </a:stretch>
+        </p:blipFill>
+        <p:spPr>
+          <a:xfrm>
+            <a:off x="4512404" y="4244838"/>
+            <a:ext cx="4505325" cy="390525"/>
+          </a:xfrm>
+          <a:prstGeom prst="rect">
+            <a:avLst/>
+          </a:prstGeom>
+        </p:spPr>
+      </p:pic>
+      <p:cxnSp>
+        <p:nvCxnSpPr>
+          <p:cNvPr id="21" name="直接箭头连接符 20">
+            <a:extLst>
+              <a:ext uri="{FF2B5EF4-FFF2-40B4-BE49-F238E27FC236}">
+                <a16:creationId xmlns:a16="http://schemas.microsoft.com/office/drawing/2014/main" id="{89CEB520-E37C-48E1-938D-C326EBD54FD3}"/>
+              </a:ext>
+            </a:extLst>
+          </p:cNvPr>
+          <p:cNvCxnSpPr>
+            <a:cxnSpLocks/>
+          </p:cNvCxnSpPr>
+          <p:nvPr/>
+        </p:nvCxnSpPr>
+        <p:spPr>
+          <a:xfrm>
+            <a:off x="6378837" y="4635363"/>
+            <a:ext cx="0" cy="434646"/>
+          </a:xfrm>
+          <a:prstGeom prst="straightConnector1">
+            <a:avLst/>
+          </a:prstGeom>
+          <a:ln>
+            <a:tailEnd type="triangle"/>
+          </a:ln>
+        </p:spPr>
+        <p:style>
+          <a:lnRef idx="1">
+            <a:schemeClr val="accent1"/>
+          </a:lnRef>
+          <a:fillRef idx="0">
+            <a:schemeClr val="accent1"/>
+          </a:fillRef>
+          <a:effectRef idx="0">
+            <a:schemeClr val="accent1"/>
+          </a:effectRef>
+          <a:fontRef idx="minor">
+            <a:schemeClr val="tx1"/>
+          </a:fontRef>
+        </p:style>
+      </p:cxnSp>
+      <p:sp>
+        <p:nvSpPr>
+          <p:cNvPr id="22" name="文本框 21">
+            <a:extLst>
+              <a:ext uri="{FF2B5EF4-FFF2-40B4-BE49-F238E27FC236}">
+                <a16:creationId xmlns:a16="http://schemas.microsoft.com/office/drawing/2014/main" id="{2A8A9345-F42A-409E-871B-6851799D1875}"/>
+              </a:ext>
+            </a:extLst>
+          </p:cNvPr>
+          <p:cNvSpPr txBox="1"/>
+          <p:nvPr/>
+        </p:nvSpPr>
+        <p:spPr>
+          <a:xfrm>
+            <a:off x="4821598" y="3880835"/>
+            <a:ext cx="1734112" cy="307777"/>
+          </a:xfrm>
+          <a:prstGeom prst="rect">
+            <a:avLst/>
+          </a:prstGeom>
+          <a:noFill/>
+        </p:spPr>
+        <p:txBody>
+          <a:bodyPr wrap="square" rtlCol="0">
+            <a:spAutoFit/>
+          </a:bodyPr>
+          <a:lstStyle/>
+          <a:p>
+            <a:r>
+              <a:rPr lang="zh-CN" altLang="en-US" sz="1400" b="1" dirty="0"/>
+              <a:t>拉格朗日乘子法</a:t>
+            </a:r>
+          </a:p>
+        </p:txBody>
+      </p:sp>
     </p:spTree>
     <p:extLst>
       <p:ext uri="{BB962C8B-B14F-4D97-AF65-F5344CB8AC3E}">
